--- a/docs/datasets/images.pptx
+++ b/docs/datasets/images.pptx
@@ -5,13 +5,14 @@
     <p:sldMasterId id="2147483648" r:id="rId1"/>
   </p:sldMasterIdLst>
   <p:notesMasterIdLst>
-    <p:notesMasterId r:id="rId6"/>
+    <p:notesMasterId r:id="rId7"/>
   </p:notesMasterIdLst>
   <p:sldIdLst>
     <p:sldId id="257" r:id="rId2"/>
     <p:sldId id="258" r:id="rId3"/>
     <p:sldId id="259" r:id="rId4"/>
     <p:sldId id="260" r:id="rId5"/>
+    <p:sldId id="261" r:id="rId6"/>
   </p:sldIdLst>
   <p:sldSz cx="12192000" cy="6858000"/>
   <p:notesSz cx="6858000" cy="9144000"/>
@@ -200,7 +201,7 @@
           <a:p>
             <a:fld id="{E55D1B45-1C6B-DA4B-AE36-1EA1E4E2D5A6}" type="datetimeFigureOut">
               <a:rPr lang="en-US" smtClean="0"/>
-              <a:t>3/12/24</a:t>
+              <a:t>3/15/24</a:t>
             </a:fld>
             <a:endParaRPr lang="en-US"/>
           </a:p>
@@ -552,6 +553,90 @@
 </p:notes>
 </file>
 
+<file path=ppt/notesSlides/notesSlide2.xml><?xml version="1.0" encoding="utf-8"?>
+<p:notes xmlns:a="http://schemas.openxmlformats.org/drawingml/2006/main" xmlns:r="http://schemas.openxmlformats.org/officeDocument/2006/relationships" xmlns:p="http://schemas.openxmlformats.org/presentationml/2006/main">
+  <p:cSld>
+    <p:spTree>
+      <p:nvGrpSpPr>
+        <p:cNvPr id="1" name=""/>
+        <p:cNvGrpSpPr/>
+        <p:nvPr/>
+      </p:nvGrpSpPr>
+      <p:grpSpPr>
+        <a:xfrm>
+          <a:off x="0" y="0"/>
+          <a:ext cx="0" cy="0"/>
+          <a:chOff x="0" y="0"/>
+          <a:chExt cx="0" cy="0"/>
+        </a:xfrm>
+      </p:grpSpPr>
+      <p:sp>
+        <p:nvSpPr>
+          <p:cNvPr id="2" name="Slide Image Placeholder 1"/>
+          <p:cNvSpPr>
+            <a:spLocks noGrp="1" noRot="1" noChangeAspect="1"/>
+          </p:cNvSpPr>
+          <p:nvPr>
+            <p:ph type="sldImg"/>
+          </p:nvPr>
+        </p:nvSpPr>
+        <p:spPr/>
+      </p:sp>
+      <p:sp>
+        <p:nvSpPr>
+          <p:cNvPr id="3" name="Notes Placeholder 2"/>
+          <p:cNvSpPr>
+            <a:spLocks noGrp="1"/>
+          </p:cNvSpPr>
+          <p:nvPr>
+            <p:ph type="body" idx="1"/>
+          </p:nvPr>
+        </p:nvSpPr>
+        <p:spPr/>
+        <p:txBody>
+          <a:bodyPr/>
+          <a:lstStyle/>
+          <a:p>
+            <a:endParaRPr lang="en-US"/>
+          </a:p>
+        </p:txBody>
+      </p:sp>
+      <p:sp>
+        <p:nvSpPr>
+          <p:cNvPr id="4" name="Slide Number Placeholder 3"/>
+          <p:cNvSpPr>
+            <a:spLocks noGrp="1"/>
+          </p:cNvSpPr>
+          <p:nvPr>
+            <p:ph type="sldNum" sz="quarter" idx="5"/>
+          </p:nvPr>
+        </p:nvSpPr>
+        <p:spPr/>
+        <p:txBody>
+          <a:bodyPr/>
+          <a:lstStyle/>
+          <a:p>
+            <a:fld id="{911C07F3-38A8-6743-AE83-584559C04CD5}" type="slidenum">
+              <a:rPr lang="en-US" smtClean="0"/>
+              <a:t>5</a:t>
+            </a:fld>
+            <a:endParaRPr lang="en-US"/>
+          </a:p>
+        </p:txBody>
+      </p:sp>
+    </p:spTree>
+    <p:extLst>
+      <p:ext uri="{BB962C8B-B14F-4D97-AF65-F5344CB8AC3E}">
+        <p14:creationId xmlns:p14="http://schemas.microsoft.com/office/powerpoint/2010/main" val="1815506115"/>
+      </p:ext>
+    </p:extLst>
+  </p:cSld>
+  <p:clrMapOvr>
+    <a:masterClrMapping/>
+  </p:clrMapOvr>
+</p:notes>
+</file>
+
 <file path=ppt/slideLayouts/slideLayout1.xml><?xml version="1.0" encoding="utf-8"?>
 <p:sldLayout xmlns:a="http://schemas.openxmlformats.org/drawingml/2006/main" xmlns:r="http://schemas.openxmlformats.org/officeDocument/2006/relationships" xmlns:p="http://schemas.openxmlformats.org/presentationml/2006/main" type="title" preserve="1">
   <p:cSld name="Title Slide">
@@ -701,7 +786,7 @@
           <a:p>
             <a:fld id="{B069BB17-17AA-0D45-8690-908CA8595ED7}" type="datetimeFigureOut">
               <a:rPr lang="en-US" smtClean="0"/>
-              <a:t>3/12/24</a:t>
+              <a:t>3/15/24</a:t>
             </a:fld>
             <a:endParaRPr lang="en-US"/>
           </a:p>
@@ -901,7 +986,7 @@
           <a:p>
             <a:fld id="{B069BB17-17AA-0D45-8690-908CA8595ED7}" type="datetimeFigureOut">
               <a:rPr lang="en-US" smtClean="0"/>
-              <a:t>3/12/24</a:t>
+              <a:t>3/15/24</a:t>
             </a:fld>
             <a:endParaRPr lang="en-US"/>
           </a:p>
@@ -1111,7 +1196,7 @@
           <a:p>
             <a:fld id="{B069BB17-17AA-0D45-8690-908CA8595ED7}" type="datetimeFigureOut">
               <a:rPr lang="en-US" smtClean="0"/>
-              <a:t>3/12/24</a:t>
+              <a:t>3/15/24</a:t>
             </a:fld>
             <a:endParaRPr lang="en-US"/>
           </a:p>
@@ -1311,7 +1396,7 @@
           <a:p>
             <a:fld id="{B069BB17-17AA-0D45-8690-908CA8595ED7}" type="datetimeFigureOut">
               <a:rPr lang="en-US" smtClean="0"/>
-              <a:t>3/12/24</a:t>
+              <a:t>3/15/24</a:t>
             </a:fld>
             <a:endParaRPr lang="en-US"/>
           </a:p>
@@ -1587,7 +1672,7 @@
           <a:p>
             <a:fld id="{B069BB17-17AA-0D45-8690-908CA8595ED7}" type="datetimeFigureOut">
               <a:rPr lang="en-US" smtClean="0"/>
-              <a:t>3/12/24</a:t>
+              <a:t>3/15/24</a:t>
             </a:fld>
             <a:endParaRPr lang="en-US"/>
           </a:p>
@@ -1855,7 +1940,7 @@
           <a:p>
             <a:fld id="{B069BB17-17AA-0D45-8690-908CA8595ED7}" type="datetimeFigureOut">
               <a:rPr lang="en-US" smtClean="0"/>
-              <a:t>3/12/24</a:t>
+              <a:t>3/15/24</a:t>
             </a:fld>
             <a:endParaRPr lang="en-US"/>
           </a:p>
@@ -2270,7 +2355,7 @@
           <a:p>
             <a:fld id="{B069BB17-17AA-0D45-8690-908CA8595ED7}" type="datetimeFigureOut">
               <a:rPr lang="en-US" smtClean="0"/>
-              <a:t>3/12/24</a:t>
+              <a:t>3/15/24</a:t>
             </a:fld>
             <a:endParaRPr lang="en-US"/>
           </a:p>
@@ -2412,7 +2497,7 @@
           <a:p>
             <a:fld id="{B069BB17-17AA-0D45-8690-908CA8595ED7}" type="datetimeFigureOut">
               <a:rPr lang="en-US" smtClean="0"/>
-              <a:t>3/12/24</a:t>
+              <a:t>3/15/24</a:t>
             </a:fld>
             <a:endParaRPr lang="en-US"/>
           </a:p>
@@ -2525,7 +2610,7 @@
           <a:p>
             <a:fld id="{B069BB17-17AA-0D45-8690-908CA8595ED7}" type="datetimeFigureOut">
               <a:rPr lang="en-US" smtClean="0"/>
-              <a:t>3/12/24</a:t>
+              <a:t>3/15/24</a:t>
             </a:fld>
             <a:endParaRPr lang="en-US"/>
           </a:p>
@@ -2838,7 +2923,7 @@
           <a:p>
             <a:fld id="{B069BB17-17AA-0D45-8690-908CA8595ED7}" type="datetimeFigureOut">
               <a:rPr lang="en-US" smtClean="0"/>
-              <a:t>3/12/24</a:t>
+              <a:t>3/15/24</a:t>
             </a:fld>
             <a:endParaRPr lang="en-US"/>
           </a:p>
@@ -3127,7 +3212,7 @@
           <a:p>
             <a:fld id="{B069BB17-17AA-0D45-8690-908CA8595ED7}" type="datetimeFigureOut">
               <a:rPr lang="en-US" smtClean="0"/>
-              <a:t>3/12/24</a:t>
+              <a:t>3/15/24</a:t>
             </a:fld>
             <a:endParaRPr lang="en-US"/>
           </a:p>
@@ -3370,7 +3455,7 @@
           <a:p>
             <a:fld id="{B069BB17-17AA-0D45-8690-908CA8595ED7}" type="datetimeFigureOut">
               <a:rPr lang="en-US" smtClean="0"/>
-              <a:t>3/12/24</a:t>
+              <a:t>3/15/24</a:t>
             </a:fld>
             <a:endParaRPr lang="en-US"/>
           </a:p>
@@ -9961,6 +10046,1949 @@
     <p:extLst>
       <p:ext uri="{BB962C8B-B14F-4D97-AF65-F5344CB8AC3E}">
         <p14:creationId xmlns:p14="http://schemas.microsoft.com/office/powerpoint/2010/main" val="3066249299"/>
+      </p:ext>
+    </p:extLst>
+  </p:cSld>
+  <p:clrMapOvr>
+    <a:masterClrMapping/>
+  </p:clrMapOvr>
+</p:sld>
+</file>
+
+<file path=ppt/slides/slide5.xml><?xml version="1.0" encoding="utf-8"?>
+<p:sld xmlns:a="http://schemas.openxmlformats.org/drawingml/2006/main" xmlns:r="http://schemas.openxmlformats.org/officeDocument/2006/relationships" xmlns:p="http://schemas.openxmlformats.org/presentationml/2006/main">
+  <p:cSld>
+    <p:spTree>
+      <p:nvGrpSpPr>
+        <p:cNvPr id="1" name=""/>
+        <p:cNvGrpSpPr/>
+        <p:nvPr/>
+      </p:nvGrpSpPr>
+      <p:grpSpPr>
+        <a:xfrm>
+          <a:off x="0" y="0"/>
+          <a:ext cx="0" cy="0"/>
+          <a:chOff x="0" y="0"/>
+          <a:chExt cx="0" cy="0"/>
+        </a:xfrm>
+      </p:grpSpPr>
+      <p:graphicFrame>
+        <p:nvGraphicFramePr>
+          <p:cNvPr id="3" name="Table 2">
+            <a:extLst>
+              <a:ext uri="{FF2B5EF4-FFF2-40B4-BE49-F238E27FC236}">
+                <a16:creationId xmlns:a16="http://schemas.microsoft.com/office/drawing/2014/main" id="{0F999A09-EBB0-46AD-6B33-9AC97E36F7A5}"/>
+              </a:ext>
+            </a:extLst>
+          </p:cNvPr>
+          <p:cNvGraphicFramePr>
+            <a:graphicFrameLocks noGrp="1"/>
+          </p:cNvGraphicFramePr>
+          <p:nvPr>
+            <p:extLst>
+              <p:ext uri="{D42A27DB-BD31-4B8C-83A1-F6EECF244321}">
+                <p14:modId xmlns:p14="http://schemas.microsoft.com/office/powerpoint/2010/main" val="2386924066"/>
+              </p:ext>
+            </p:extLst>
+          </p:nvPr>
+        </p:nvGraphicFramePr>
+        <p:xfrm>
+          <a:off x="3949259" y="4253654"/>
+          <a:ext cx="3677920" cy="2499360"/>
+        </p:xfrm>
+        <a:graphic>
+          <a:graphicData uri="http://schemas.openxmlformats.org/drawingml/2006/table">
+            <a:tbl>
+              <a:tblPr firstRow="1" bandRow="1">
+                <a:tableStyleId>{5940675A-B579-460E-94D1-54222C63F5DA}</a:tableStyleId>
+              </a:tblPr>
+              <a:tblGrid>
+                <a:gridCol w="1195705">
+                  <a:extLst>
+                    <a:ext uri="{9D8B030D-6E8A-4147-A177-3AD203B41FA5}">
+                      <a16:colId xmlns:a16="http://schemas.microsoft.com/office/drawing/2014/main" val="178837561"/>
+                    </a:ext>
+                  </a:extLst>
+                </a:gridCol>
+                <a:gridCol w="827405">
+                  <a:extLst>
+                    <a:ext uri="{9D8B030D-6E8A-4147-A177-3AD203B41FA5}">
+                      <a16:colId xmlns:a16="http://schemas.microsoft.com/office/drawing/2014/main" val="3694758959"/>
+                    </a:ext>
+                  </a:extLst>
+                </a:gridCol>
+                <a:gridCol w="827405">
+                  <a:extLst>
+                    <a:ext uri="{9D8B030D-6E8A-4147-A177-3AD203B41FA5}">
+                      <a16:colId xmlns:a16="http://schemas.microsoft.com/office/drawing/2014/main" val="1244719916"/>
+                    </a:ext>
+                  </a:extLst>
+                </a:gridCol>
+                <a:gridCol w="827405">
+                  <a:extLst>
+                    <a:ext uri="{9D8B030D-6E8A-4147-A177-3AD203B41FA5}">
+                      <a16:colId xmlns:a16="http://schemas.microsoft.com/office/drawing/2014/main" val="626742831"/>
+                    </a:ext>
+                  </a:extLst>
+                </a:gridCol>
+              </a:tblGrid>
+              <a:tr h="0">
+                <a:tc>
+                  <a:txBody>
+                    <a:bodyPr/>
+                    <a:lstStyle/>
+                    <a:p>
+                      <a:pPr algn="ctr"/>
+                      <a:endParaRPr lang="en-US" sz="1200" b="1" dirty="0">
+                        <a:latin typeface="Courier New" panose="02070309020205020404" pitchFamily="49" charset="0"/>
+                        <a:cs typeface="Courier New" panose="02070309020205020404" pitchFamily="49" charset="0"/>
+                      </a:endParaRPr>
+                    </a:p>
+                  </a:txBody>
+                  <a:tcPr anchor="ctr"/>
+                </a:tc>
+                <a:tc>
+                  <a:txBody>
+                    <a:bodyPr/>
+                    <a:lstStyle/>
+                    <a:p>
+                      <a:pPr algn="ctr"/>
+                      <a:r>
+                        <a:rPr lang="en-US" sz="1200" b="1" dirty="0">
+                          <a:latin typeface="Courier New" panose="02070309020205020404" pitchFamily="49" charset="0"/>
+                          <a:cs typeface="Courier New" panose="02070309020205020404" pitchFamily="49" charset="0"/>
+                        </a:rPr>
+                        <a:t>2t</a:t>
+                      </a:r>
+                    </a:p>
+                  </a:txBody>
+                  <a:tcPr anchor="ctr"/>
+                </a:tc>
+                <a:tc>
+                  <a:txBody>
+                    <a:bodyPr/>
+                    <a:lstStyle/>
+                    <a:p>
+                      <a:pPr algn="ctr"/>
+                      <a:r>
+                        <a:rPr lang="en-US" sz="1200" b="1" dirty="0">
+                          <a:latin typeface="Courier New" panose="02070309020205020404" pitchFamily="49" charset="0"/>
+                          <a:cs typeface="Courier New" panose="02070309020205020404" pitchFamily="49" charset="0"/>
+                        </a:rPr>
+                        <a:t>msl</a:t>
+                      </a:r>
+                    </a:p>
+                  </a:txBody>
+                  <a:tcPr anchor="ctr"/>
+                </a:tc>
+                <a:tc>
+                  <a:txBody>
+                    <a:bodyPr/>
+                    <a:lstStyle/>
+                    <a:p>
+                      <a:pPr algn="ctr"/>
+                      <a:r>
+                        <a:rPr lang="en-US" sz="1200" b="1" dirty="0">
+                          <a:latin typeface="Courier New" panose="02070309020205020404" pitchFamily="49" charset="0"/>
+                          <a:cs typeface="Courier New" panose="02070309020205020404" pitchFamily="49" charset="0"/>
+                        </a:rPr>
+                        <a:t>sp</a:t>
+                      </a:r>
+                    </a:p>
+                  </a:txBody>
+                  <a:tcPr anchor="ctr"/>
+                </a:tc>
+                <a:extLst>
+                  <a:ext uri="{0D108BD9-81ED-4DB2-BD59-A6C34878D82A}">
+                    <a16:rowId xmlns:a16="http://schemas.microsoft.com/office/drawing/2014/main" val="1771619116"/>
+                  </a:ext>
+                </a:extLst>
+              </a:tr>
+              <a:tr h="370840">
+                <a:tc>
+                  <a:txBody>
+                    <a:bodyPr/>
+                    <a:lstStyle/>
+                    <a:p>
+                      <a:pPr algn="ctr"/>
+                      <a:r>
+                        <a:rPr lang="en-US" sz="1200" b="1" dirty="0">
+                          <a:latin typeface="Courier New" panose="02070309020205020404" pitchFamily="49" charset="0"/>
+                          <a:cs typeface="Courier New" panose="02070309020205020404" pitchFamily="49" charset="0"/>
+                        </a:rPr>
+                        <a:t>1999-01-01</a:t>
+                      </a:r>
+                    </a:p>
+                  </a:txBody>
+                  <a:tcPr anchor="ctr"/>
+                </a:tc>
+                <a:tc>
+                  <a:txBody>
+                    <a:bodyPr/>
+                    <a:lstStyle/>
+                    <a:p>
+                      <a:pPr algn="ctr"/>
+                      <a:endParaRPr lang="en-US" sz="1200" b="1" dirty="0">
+                        <a:solidFill>
+                          <a:schemeClr val="bg1"/>
+                        </a:solidFill>
+                        <a:latin typeface="Courier New" panose="02070309020205020404" pitchFamily="49" charset="0"/>
+                        <a:cs typeface="Courier New" panose="02070309020205020404" pitchFamily="49" charset="0"/>
+                      </a:endParaRPr>
+                    </a:p>
+                  </a:txBody>
+                  <a:tcPr anchor="ctr">
+                    <a:solidFill>
+                      <a:schemeClr val="accent5">
+                        <a:lumMod val="20000"/>
+                        <a:lumOff val="80000"/>
+                      </a:schemeClr>
+                    </a:solidFill>
+                  </a:tcPr>
+                </a:tc>
+                <a:tc>
+                  <a:txBody>
+                    <a:bodyPr/>
+                    <a:lstStyle/>
+                    <a:p>
+                      <a:pPr marL="0" marR="0" lvl="0" indent="0" algn="ctr" defTabSz="914400" rtl="0" eaLnBrk="1" fontAlgn="auto" latinLnBrk="0" hangingPunct="1">
+                        <a:lnSpc>
+                          <a:spcPct val="100000"/>
+                        </a:lnSpc>
+                        <a:spcBef>
+                          <a:spcPts val="0"/>
+                        </a:spcBef>
+                        <a:spcAft>
+                          <a:spcPts val="0"/>
+                        </a:spcAft>
+                        <a:buClrTx/>
+                        <a:buSzTx/>
+                        <a:buFontTx/>
+                        <a:buNone/>
+                        <a:tabLst/>
+                        <a:defRPr/>
+                      </a:pPr>
+                      <a:endParaRPr lang="en-US" sz="1200" b="1" dirty="0">
+                        <a:solidFill>
+                          <a:schemeClr val="bg1"/>
+                        </a:solidFill>
+                        <a:latin typeface="Courier New" panose="02070309020205020404" pitchFamily="49" charset="0"/>
+                        <a:cs typeface="Courier New" panose="02070309020205020404" pitchFamily="49" charset="0"/>
+                      </a:endParaRPr>
+                    </a:p>
+                  </a:txBody>
+                  <a:tcPr anchor="ctr">
+                    <a:solidFill>
+                      <a:schemeClr val="accent5">
+                        <a:lumMod val="20000"/>
+                        <a:lumOff val="80000"/>
+                      </a:schemeClr>
+                    </a:solidFill>
+                  </a:tcPr>
+                </a:tc>
+                <a:tc>
+                  <a:txBody>
+                    <a:bodyPr/>
+                    <a:lstStyle/>
+                    <a:p>
+                      <a:pPr marL="0" marR="0" lvl="0" indent="0" algn="ctr" defTabSz="914400" rtl="0" eaLnBrk="1" fontAlgn="auto" latinLnBrk="0" hangingPunct="1">
+                        <a:lnSpc>
+                          <a:spcPct val="100000"/>
+                        </a:lnSpc>
+                        <a:spcBef>
+                          <a:spcPts val="0"/>
+                        </a:spcBef>
+                        <a:spcAft>
+                          <a:spcPts val="0"/>
+                        </a:spcAft>
+                        <a:buClrTx/>
+                        <a:buSzTx/>
+                        <a:buFontTx/>
+                        <a:buNone/>
+                        <a:tabLst/>
+                        <a:defRPr/>
+                      </a:pPr>
+                      <a:endParaRPr lang="en-US" sz="1200" b="1" dirty="0">
+                        <a:solidFill>
+                          <a:schemeClr val="bg1"/>
+                        </a:solidFill>
+                        <a:latin typeface="Courier New" panose="02070309020205020404" pitchFamily="49" charset="0"/>
+                        <a:cs typeface="Courier New" panose="02070309020205020404" pitchFamily="49" charset="0"/>
+                      </a:endParaRPr>
+                    </a:p>
+                  </a:txBody>
+                  <a:tcPr anchor="ctr">
+                    <a:solidFill>
+                      <a:schemeClr val="accent5">
+                        <a:lumMod val="20000"/>
+                        <a:lumOff val="80000"/>
+                      </a:schemeClr>
+                    </a:solidFill>
+                  </a:tcPr>
+                </a:tc>
+                <a:extLst>
+                  <a:ext uri="{0D108BD9-81ED-4DB2-BD59-A6C34878D82A}">
+                    <a16:rowId xmlns:a16="http://schemas.microsoft.com/office/drawing/2014/main" val="4280804570"/>
+                  </a:ext>
+                </a:extLst>
+              </a:tr>
+              <a:tr h="370840">
+                <a:tc>
+                  <a:txBody>
+                    <a:bodyPr/>
+                    <a:lstStyle/>
+                    <a:p>
+                      <a:pPr marL="0" marR="0" lvl="0" indent="0" algn="ctr" defTabSz="914400" rtl="0" eaLnBrk="1" fontAlgn="auto" latinLnBrk="0" hangingPunct="1">
+                        <a:lnSpc>
+                          <a:spcPct val="100000"/>
+                        </a:lnSpc>
+                        <a:spcBef>
+                          <a:spcPts val="0"/>
+                        </a:spcBef>
+                        <a:spcAft>
+                          <a:spcPts val="0"/>
+                        </a:spcAft>
+                        <a:buClrTx/>
+                        <a:buSzTx/>
+                        <a:buFontTx/>
+                        <a:buNone/>
+                        <a:tabLst/>
+                        <a:defRPr/>
+                      </a:pPr>
+                      <a:r>
+                        <a:rPr lang="en-US" sz="1200" b="1" dirty="0">
+                          <a:latin typeface="Courier New" panose="02070309020205020404" pitchFamily="49" charset="0"/>
+                          <a:cs typeface="Courier New" panose="02070309020205020404" pitchFamily="49" charset="0"/>
+                        </a:rPr>
+                        <a:t>1999-01-02</a:t>
+                      </a:r>
+                    </a:p>
+                  </a:txBody>
+                  <a:tcPr anchor="ctr"/>
+                </a:tc>
+                <a:tc>
+                  <a:txBody>
+                    <a:bodyPr/>
+                    <a:lstStyle/>
+                    <a:p>
+                      <a:pPr algn="ctr"/>
+                      <a:endParaRPr lang="en-US" sz="1200" b="1" dirty="0">
+                        <a:latin typeface="Courier New" panose="02070309020205020404" pitchFamily="49" charset="0"/>
+                        <a:cs typeface="Courier New" panose="02070309020205020404" pitchFamily="49" charset="0"/>
+                      </a:endParaRPr>
+                    </a:p>
+                  </a:txBody>
+                  <a:tcPr anchor="ctr">
+                    <a:solidFill>
+                      <a:schemeClr val="accent5">
+                        <a:lumMod val="20000"/>
+                        <a:lumOff val="80000"/>
+                      </a:schemeClr>
+                    </a:solidFill>
+                  </a:tcPr>
+                </a:tc>
+                <a:tc>
+                  <a:txBody>
+                    <a:bodyPr/>
+                    <a:lstStyle/>
+                    <a:p>
+                      <a:pPr algn="ctr"/>
+                      <a:endParaRPr lang="en-US" sz="1200" b="1" dirty="0">
+                        <a:latin typeface="Courier New" panose="02070309020205020404" pitchFamily="49" charset="0"/>
+                        <a:cs typeface="Courier New" panose="02070309020205020404" pitchFamily="49" charset="0"/>
+                      </a:endParaRPr>
+                    </a:p>
+                  </a:txBody>
+                  <a:tcPr anchor="ctr">
+                    <a:solidFill>
+                      <a:schemeClr val="accent5">
+                        <a:lumMod val="20000"/>
+                        <a:lumOff val="80000"/>
+                      </a:schemeClr>
+                    </a:solidFill>
+                  </a:tcPr>
+                </a:tc>
+                <a:tc>
+                  <a:txBody>
+                    <a:bodyPr/>
+                    <a:lstStyle/>
+                    <a:p>
+                      <a:pPr algn="ctr"/>
+                      <a:endParaRPr lang="en-US" sz="1200" b="1" dirty="0">
+                        <a:latin typeface="Courier New" panose="02070309020205020404" pitchFamily="49" charset="0"/>
+                        <a:cs typeface="Courier New" panose="02070309020205020404" pitchFamily="49" charset="0"/>
+                      </a:endParaRPr>
+                    </a:p>
+                  </a:txBody>
+                  <a:tcPr anchor="ctr">
+                    <a:solidFill>
+                      <a:schemeClr val="accent5">
+                        <a:lumMod val="20000"/>
+                        <a:lumOff val="80000"/>
+                      </a:schemeClr>
+                    </a:solidFill>
+                  </a:tcPr>
+                </a:tc>
+                <a:extLst>
+                  <a:ext uri="{0D108BD9-81ED-4DB2-BD59-A6C34878D82A}">
+                    <a16:rowId xmlns:a16="http://schemas.microsoft.com/office/drawing/2014/main" val="4216344577"/>
+                  </a:ext>
+                </a:extLst>
+              </a:tr>
+              <a:tr h="370840">
+                <a:tc>
+                  <a:txBody>
+                    <a:bodyPr/>
+                    <a:lstStyle/>
+                    <a:p>
+                      <a:pPr algn="ctr"/>
+                      <a:r>
+                        <a:rPr lang="en-US" sz="1200" b="1" dirty="0">
+                          <a:latin typeface="Courier New" panose="02070309020205020404" pitchFamily="49" charset="0"/>
+                          <a:cs typeface="Courier New" panose="02070309020205020404" pitchFamily="49" charset="0"/>
+                        </a:rPr>
+                        <a:t>...</a:t>
+                      </a:r>
+                    </a:p>
+                  </a:txBody>
+                  <a:tcPr anchor="ctr"/>
+                </a:tc>
+                <a:tc>
+                  <a:txBody>
+                    <a:bodyPr/>
+                    <a:lstStyle/>
+                    <a:p>
+                      <a:pPr algn="ctr"/>
+                      <a:endParaRPr lang="en-US" sz="1200" b="1" dirty="0">
+                        <a:latin typeface="Courier New" panose="02070309020205020404" pitchFamily="49" charset="0"/>
+                        <a:cs typeface="Courier New" panose="02070309020205020404" pitchFamily="49" charset="0"/>
+                      </a:endParaRPr>
+                    </a:p>
+                  </a:txBody>
+                  <a:tcPr anchor="ctr">
+                    <a:solidFill>
+                      <a:schemeClr val="accent5">
+                        <a:lumMod val="20000"/>
+                        <a:lumOff val="80000"/>
+                      </a:schemeClr>
+                    </a:solidFill>
+                  </a:tcPr>
+                </a:tc>
+                <a:tc>
+                  <a:txBody>
+                    <a:bodyPr/>
+                    <a:lstStyle/>
+                    <a:p>
+                      <a:pPr algn="ctr"/>
+                      <a:endParaRPr lang="en-US" sz="1200" b="1" dirty="0">
+                        <a:latin typeface="Courier New" panose="02070309020205020404" pitchFamily="49" charset="0"/>
+                        <a:cs typeface="Courier New" panose="02070309020205020404" pitchFamily="49" charset="0"/>
+                      </a:endParaRPr>
+                    </a:p>
+                  </a:txBody>
+                  <a:tcPr anchor="ctr">
+                    <a:solidFill>
+                      <a:schemeClr val="accent5">
+                        <a:lumMod val="20000"/>
+                        <a:lumOff val="80000"/>
+                      </a:schemeClr>
+                    </a:solidFill>
+                  </a:tcPr>
+                </a:tc>
+                <a:tc>
+                  <a:txBody>
+                    <a:bodyPr/>
+                    <a:lstStyle/>
+                    <a:p>
+                      <a:pPr algn="ctr"/>
+                      <a:endParaRPr lang="en-US" sz="1200" b="1" dirty="0">
+                        <a:latin typeface="Courier New" panose="02070309020205020404" pitchFamily="49" charset="0"/>
+                        <a:cs typeface="Courier New" panose="02070309020205020404" pitchFamily="49" charset="0"/>
+                      </a:endParaRPr>
+                    </a:p>
+                  </a:txBody>
+                  <a:tcPr anchor="ctr">
+                    <a:solidFill>
+                      <a:schemeClr val="accent5">
+                        <a:lumMod val="20000"/>
+                        <a:lumOff val="80000"/>
+                      </a:schemeClr>
+                    </a:solidFill>
+                  </a:tcPr>
+                </a:tc>
+                <a:extLst>
+                  <a:ext uri="{0D108BD9-81ED-4DB2-BD59-A6C34878D82A}">
+                    <a16:rowId xmlns:a16="http://schemas.microsoft.com/office/drawing/2014/main" val="3636339100"/>
+                  </a:ext>
+                </a:extLst>
+              </a:tr>
+              <a:tr h="370840">
+                <a:tc>
+                  <a:txBody>
+                    <a:bodyPr/>
+                    <a:lstStyle/>
+                    <a:p>
+                      <a:pPr algn="ctr"/>
+                      <a:r>
+                        <a:rPr lang="en-US" sz="1200" b="1" dirty="0">
+                          <a:latin typeface="Courier New" panose="02070309020205020404" pitchFamily="49" charset="0"/>
+                          <a:cs typeface="Courier New" panose="02070309020205020404" pitchFamily="49" charset="0"/>
+                        </a:rPr>
+                        <a:t>...</a:t>
+                      </a:r>
+                    </a:p>
+                  </a:txBody>
+                  <a:tcPr anchor="ctr"/>
+                </a:tc>
+                <a:tc>
+                  <a:txBody>
+                    <a:bodyPr/>
+                    <a:lstStyle/>
+                    <a:p>
+                      <a:pPr algn="ctr"/>
+                      <a:endParaRPr lang="en-US" sz="1200" b="1" dirty="0">
+                        <a:latin typeface="Courier New" panose="02070309020205020404" pitchFamily="49" charset="0"/>
+                        <a:cs typeface="Courier New" panose="02070309020205020404" pitchFamily="49" charset="0"/>
+                      </a:endParaRPr>
+                    </a:p>
+                  </a:txBody>
+                  <a:tcPr anchor="ctr">
+                    <a:solidFill>
+                      <a:schemeClr val="accent5">
+                        <a:lumMod val="20000"/>
+                        <a:lumOff val="80000"/>
+                      </a:schemeClr>
+                    </a:solidFill>
+                  </a:tcPr>
+                </a:tc>
+                <a:tc>
+                  <a:txBody>
+                    <a:bodyPr/>
+                    <a:lstStyle/>
+                    <a:p>
+                      <a:pPr algn="ctr"/>
+                      <a:endParaRPr lang="en-US" sz="1200" b="1" dirty="0">
+                        <a:latin typeface="Courier New" panose="02070309020205020404" pitchFamily="49" charset="0"/>
+                        <a:cs typeface="Courier New" panose="02070309020205020404" pitchFamily="49" charset="0"/>
+                      </a:endParaRPr>
+                    </a:p>
+                  </a:txBody>
+                  <a:tcPr anchor="ctr">
+                    <a:solidFill>
+                      <a:schemeClr val="accent5">
+                        <a:lumMod val="20000"/>
+                        <a:lumOff val="80000"/>
+                      </a:schemeClr>
+                    </a:solidFill>
+                  </a:tcPr>
+                </a:tc>
+                <a:tc>
+                  <a:txBody>
+                    <a:bodyPr/>
+                    <a:lstStyle/>
+                    <a:p>
+                      <a:pPr algn="ctr"/>
+                      <a:endParaRPr lang="en-US" sz="1200" b="1" dirty="0">
+                        <a:latin typeface="Courier New" panose="02070309020205020404" pitchFamily="49" charset="0"/>
+                        <a:cs typeface="Courier New" panose="02070309020205020404" pitchFamily="49" charset="0"/>
+                      </a:endParaRPr>
+                    </a:p>
+                  </a:txBody>
+                  <a:tcPr anchor="ctr">
+                    <a:solidFill>
+                      <a:schemeClr val="accent5">
+                        <a:lumMod val="20000"/>
+                        <a:lumOff val="80000"/>
+                      </a:schemeClr>
+                    </a:solidFill>
+                  </a:tcPr>
+                </a:tc>
+                <a:extLst>
+                  <a:ext uri="{0D108BD9-81ED-4DB2-BD59-A6C34878D82A}">
+                    <a16:rowId xmlns:a16="http://schemas.microsoft.com/office/drawing/2014/main" val="2820714106"/>
+                  </a:ext>
+                </a:extLst>
+              </a:tr>
+              <a:tr h="370840">
+                <a:tc>
+                  <a:txBody>
+                    <a:bodyPr/>
+                    <a:lstStyle/>
+                    <a:p>
+                      <a:pPr marL="0" marR="0" lvl="0" indent="0" algn="ctr" defTabSz="914400" rtl="0" eaLnBrk="1" fontAlgn="auto" latinLnBrk="0" hangingPunct="1">
+                        <a:lnSpc>
+                          <a:spcPct val="100000"/>
+                        </a:lnSpc>
+                        <a:spcBef>
+                          <a:spcPts val="0"/>
+                        </a:spcBef>
+                        <a:spcAft>
+                          <a:spcPts val="0"/>
+                        </a:spcAft>
+                        <a:buClrTx/>
+                        <a:buSzTx/>
+                        <a:buFontTx/>
+                        <a:buNone/>
+                        <a:tabLst/>
+                        <a:defRPr/>
+                      </a:pPr>
+                      <a:r>
+                        <a:rPr lang="en-US" sz="1200" b="1" dirty="0">
+                          <a:latin typeface="Courier New" panose="02070309020205020404" pitchFamily="49" charset="0"/>
+                          <a:cs typeface="Courier New" panose="02070309020205020404" pitchFamily="49" charset="0"/>
+                        </a:rPr>
+                        <a:t>1999-01-04</a:t>
+                      </a:r>
+                    </a:p>
+                  </a:txBody>
+                  <a:tcPr anchor="ctr"/>
+                </a:tc>
+                <a:tc>
+                  <a:txBody>
+                    <a:bodyPr/>
+                    <a:lstStyle/>
+                    <a:p>
+                      <a:pPr algn="ctr"/>
+                      <a:endParaRPr lang="en-US" sz="1200" b="1" dirty="0">
+                        <a:latin typeface="Courier New" panose="02070309020205020404" pitchFamily="49" charset="0"/>
+                        <a:cs typeface="Courier New" panose="02070309020205020404" pitchFamily="49" charset="0"/>
+                      </a:endParaRPr>
+                    </a:p>
+                  </a:txBody>
+                  <a:tcPr anchor="ctr">
+                    <a:solidFill>
+                      <a:schemeClr val="accent5">
+                        <a:lumMod val="20000"/>
+                        <a:lumOff val="80000"/>
+                      </a:schemeClr>
+                    </a:solidFill>
+                  </a:tcPr>
+                </a:tc>
+                <a:tc>
+                  <a:txBody>
+                    <a:bodyPr/>
+                    <a:lstStyle/>
+                    <a:p>
+                      <a:pPr algn="ctr"/>
+                      <a:endParaRPr lang="en-US" sz="1200" b="1" dirty="0">
+                        <a:latin typeface="Courier New" panose="02070309020205020404" pitchFamily="49" charset="0"/>
+                        <a:cs typeface="Courier New" panose="02070309020205020404" pitchFamily="49" charset="0"/>
+                      </a:endParaRPr>
+                    </a:p>
+                  </a:txBody>
+                  <a:tcPr anchor="ctr">
+                    <a:solidFill>
+                      <a:schemeClr val="accent5">
+                        <a:lumMod val="20000"/>
+                        <a:lumOff val="80000"/>
+                      </a:schemeClr>
+                    </a:solidFill>
+                  </a:tcPr>
+                </a:tc>
+                <a:tc>
+                  <a:txBody>
+                    <a:bodyPr/>
+                    <a:lstStyle/>
+                    <a:p>
+                      <a:pPr algn="ctr"/>
+                      <a:endParaRPr lang="en-US" sz="1200" b="1" dirty="0">
+                        <a:latin typeface="Courier New" panose="02070309020205020404" pitchFamily="49" charset="0"/>
+                        <a:cs typeface="Courier New" panose="02070309020205020404" pitchFamily="49" charset="0"/>
+                      </a:endParaRPr>
+                    </a:p>
+                  </a:txBody>
+                  <a:tcPr anchor="ctr">
+                    <a:solidFill>
+                      <a:schemeClr val="accent5">
+                        <a:lumMod val="20000"/>
+                        <a:lumOff val="80000"/>
+                      </a:schemeClr>
+                    </a:solidFill>
+                  </a:tcPr>
+                </a:tc>
+                <a:extLst>
+                  <a:ext uri="{0D108BD9-81ED-4DB2-BD59-A6C34878D82A}">
+                    <a16:rowId xmlns:a16="http://schemas.microsoft.com/office/drawing/2014/main" val="3716624862"/>
+                  </a:ext>
+                </a:extLst>
+              </a:tr>
+              <a:tr h="370840">
+                <a:tc>
+                  <a:txBody>
+                    <a:bodyPr/>
+                    <a:lstStyle/>
+                    <a:p>
+                      <a:pPr marL="0" marR="0" lvl="0" indent="0" algn="ctr" defTabSz="914400" rtl="0" eaLnBrk="1" fontAlgn="auto" latinLnBrk="0" hangingPunct="1">
+                        <a:lnSpc>
+                          <a:spcPct val="100000"/>
+                        </a:lnSpc>
+                        <a:spcBef>
+                          <a:spcPts val="0"/>
+                        </a:spcBef>
+                        <a:spcAft>
+                          <a:spcPts val="0"/>
+                        </a:spcAft>
+                        <a:buClrTx/>
+                        <a:buSzTx/>
+                        <a:buFontTx/>
+                        <a:buNone/>
+                        <a:tabLst/>
+                        <a:defRPr/>
+                      </a:pPr>
+                      <a:r>
+                        <a:rPr lang="en-US" sz="1200" b="1" dirty="0">
+                          <a:latin typeface="Courier New" panose="02070309020205020404" pitchFamily="49" charset="0"/>
+                          <a:cs typeface="Courier New" panose="02070309020205020404" pitchFamily="49" charset="0"/>
+                        </a:rPr>
+                        <a:t>...</a:t>
+                      </a:r>
+                    </a:p>
+                  </a:txBody>
+                  <a:tcPr anchor="ctr"/>
+                </a:tc>
+                <a:tc>
+                  <a:txBody>
+                    <a:bodyPr/>
+                    <a:lstStyle/>
+                    <a:p>
+                      <a:pPr algn="ctr"/>
+                      <a:endParaRPr lang="en-US" sz="1200" b="1" dirty="0">
+                        <a:latin typeface="Courier New" panose="02070309020205020404" pitchFamily="49" charset="0"/>
+                        <a:cs typeface="Courier New" panose="02070309020205020404" pitchFamily="49" charset="0"/>
+                      </a:endParaRPr>
+                    </a:p>
+                  </a:txBody>
+                  <a:tcPr anchor="ctr">
+                    <a:solidFill>
+                      <a:schemeClr val="accent5">
+                        <a:lumMod val="20000"/>
+                        <a:lumOff val="80000"/>
+                      </a:schemeClr>
+                    </a:solidFill>
+                  </a:tcPr>
+                </a:tc>
+                <a:tc>
+                  <a:txBody>
+                    <a:bodyPr/>
+                    <a:lstStyle/>
+                    <a:p>
+                      <a:pPr algn="ctr"/>
+                      <a:endParaRPr lang="en-US" sz="1200" b="1" dirty="0">
+                        <a:latin typeface="Courier New" panose="02070309020205020404" pitchFamily="49" charset="0"/>
+                        <a:cs typeface="Courier New" panose="02070309020205020404" pitchFamily="49" charset="0"/>
+                      </a:endParaRPr>
+                    </a:p>
+                  </a:txBody>
+                  <a:tcPr anchor="ctr">
+                    <a:solidFill>
+                      <a:schemeClr val="accent5">
+                        <a:lumMod val="20000"/>
+                        <a:lumOff val="80000"/>
+                      </a:schemeClr>
+                    </a:solidFill>
+                  </a:tcPr>
+                </a:tc>
+                <a:tc>
+                  <a:txBody>
+                    <a:bodyPr/>
+                    <a:lstStyle/>
+                    <a:p>
+                      <a:pPr algn="ctr"/>
+                      <a:endParaRPr lang="en-US" sz="1200" b="1" dirty="0">
+                        <a:latin typeface="Courier New" panose="02070309020205020404" pitchFamily="49" charset="0"/>
+                        <a:cs typeface="Courier New" panose="02070309020205020404" pitchFamily="49" charset="0"/>
+                      </a:endParaRPr>
+                    </a:p>
+                  </a:txBody>
+                  <a:tcPr anchor="ctr">
+                    <a:solidFill>
+                      <a:schemeClr val="accent5">
+                        <a:lumMod val="20000"/>
+                        <a:lumOff val="80000"/>
+                      </a:schemeClr>
+                    </a:solidFill>
+                  </a:tcPr>
+                </a:tc>
+                <a:extLst>
+                  <a:ext uri="{0D108BD9-81ED-4DB2-BD59-A6C34878D82A}">
+                    <a16:rowId xmlns:a16="http://schemas.microsoft.com/office/drawing/2014/main" val="984871297"/>
+                  </a:ext>
+                </a:extLst>
+              </a:tr>
+            </a:tbl>
+          </a:graphicData>
+        </a:graphic>
+      </p:graphicFrame>
+      <p:sp>
+        <p:nvSpPr>
+          <p:cNvPr id="4" name="Manual Operation 3">
+            <a:extLst>
+              <a:ext uri="{FF2B5EF4-FFF2-40B4-BE49-F238E27FC236}">
+                <a16:creationId xmlns:a16="http://schemas.microsoft.com/office/drawing/2014/main" id="{20D6F927-ECF5-9735-6D84-46EED3EA6BDB}"/>
+              </a:ext>
+            </a:extLst>
+          </p:cNvPr>
+          <p:cNvSpPr/>
+          <p:nvPr/>
+        </p:nvSpPr>
+        <p:spPr>
+          <a:xfrm rot="10800000">
+            <a:off x="4724280" y="1605661"/>
+            <a:ext cx="2127878" cy="1425678"/>
+          </a:xfrm>
+          <a:prstGeom prst="flowChartManualOperation">
+            <a:avLst/>
+          </a:prstGeom>
+        </p:spPr>
+        <p:style>
+          <a:lnRef idx="2">
+            <a:schemeClr val="accent1">
+              <a:shade val="15000"/>
+            </a:schemeClr>
+          </a:lnRef>
+          <a:fillRef idx="1">
+            <a:schemeClr val="accent1"/>
+          </a:fillRef>
+          <a:effectRef idx="0">
+            <a:schemeClr val="accent1"/>
+          </a:effectRef>
+          <a:fontRef idx="minor">
+            <a:schemeClr val="lt1"/>
+          </a:fontRef>
+        </p:style>
+        <p:txBody>
+          <a:bodyPr rtlCol="0" anchor="ctr"/>
+          <a:lstStyle/>
+          <a:p>
+            <a:pPr algn="ctr"/>
+            <a:endParaRPr lang="en-US"/>
+          </a:p>
+        </p:txBody>
+      </p:sp>
+      <p:sp>
+        <p:nvSpPr>
+          <p:cNvPr id="6" name="TextBox 5">
+            <a:extLst>
+              <a:ext uri="{FF2B5EF4-FFF2-40B4-BE49-F238E27FC236}">
+                <a16:creationId xmlns:a16="http://schemas.microsoft.com/office/drawing/2014/main" id="{DAF12DBF-8144-A3B6-07E9-10912B0DCA2E}"/>
+              </a:ext>
+            </a:extLst>
+          </p:cNvPr>
+          <p:cNvSpPr txBox="1"/>
+          <p:nvPr/>
+        </p:nvSpPr>
+        <p:spPr>
+          <a:xfrm rot="3279174">
+            <a:off x="4432440" y="485155"/>
+            <a:ext cx="1563248" cy="369332"/>
+          </a:xfrm>
+          <a:prstGeom prst="rect">
+            <a:avLst/>
+          </a:prstGeom>
+          <a:noFill/>
+        </p:spPr>
+        <p:txBody>
+          <a:bodyPr wrap="square">
+            <a:spAutoFit/>
+          </a:bodyPr>
+          <a:lstStyle/>
+          <a:p>
+            <a:pPr algn="ctr"/>
+            <a:r>
+              <a:rPr lang="en-US" sz="1800" b="1" dirty="0">
+                <a:latin typeface="Courier New" panose="02070309020205020404" pitchFamily="49" charset="0"/>
+                <a:cs typeface="Courier New" panose="02070309020205020404" pitchFamily="49" charset="0"/>
+              </a:rPr>
+              <a:t>1999-01-01</a:t>
+            </a:r>
+            <a:endParaRPr lang="en-US" dirty="0"/>
+          </a:p>
+        </p:txBody>
+      </p:sp>
+      <p:sp>
+        <p:nvSpPr>
+          <p:cNvPr id="11" name="TextBox 10">
+            <a:extLst>
+              <a:ext uri="{FF2B5EF4-FFF2-40B4-BE49-F238E27FC236}">
+                <a16:creationId xmlns:a16="http://schemas.microsoft.com/office/drawing/2014/main" id="{A7DB0EE6-F14C-AFF1-BE63-130D31453707}"/>
+              </a:ext>
+            </a:extLst>
+          </p:cNvPr>
+          <p:cNvSpPr txBox="1"/>
+          <p:nvPr/>
+        </p:nvSpPr>
+        <p:spPr>
+          <a:xfrm rot="2739062">
+            <a:off x="3809418" y="622792"/>
+            <a:ext cx="1603659" cy="369332"/>
+          </a:xfrm>
+          <a:prstGeom prst="rect">
+            <a:avLst/>
+          </a:prstGeom>
+          <a:noFill/>
+        </p:spPr>
+        <p:txBody>
+          <a:bodyPr wrap="square" rtlCol="0">
+            <a:spAutoFit/>
+          </a:bodyPr>
+          <a:lstStyle/>
+          <a:p>
+            <a:pPr algn="ctr"/>
+            <a:r>
+              <a:rPr lang="en-US" sz="1800" b="1" dirty="0">
+                <a:latin typeface="Courier New" panose="02070309020205020404" pitchFamily="49" charset="0"/>
+                <a:cs typeface="Courier New" panose="02070309020205020404" pitchFamily="49" charset="0"/>
+              </a:rPr>
+              <a:t>1999-01-02</a:t>
+            </a:r>
+          </a:p>
+        </p:txBody>
+      </p:sp>
+      <p:sp>
+        <p:nvSpPr>
+          <p:cNvPr id="12" name="TextBox 11">
+            <a:extLst>
+              <a:ext uri="{FF2B5EF4-FFF2-40B4-BE49-F238E27FC236}">
+                <a16:creationId xmlns:a16="http://schemas.microsoft.com/office/drawing/2014/main" id="{D818CFE6-C98E-2635-9B13-C54F344401D2}"/>
+              </a:ext>
+            </a:extLst>
+          </p:cNvPr>
+          <p:cNvSpPr txBox="1"/>
+          <p:nvPr/>
+        </p:nvSpPr>
+        <p:spPr>
+          <a:xfrm rot="18888970">
+            <a:off x="5613219" y="544910"/>
+            <a:ext cx="1563248" cy="369332"/>
+          </a:xfrm>
+          <a:prstGeom prst="rect">
+            <a:avLst/>
+          </a:prstGeom>
+          <a:noFill/>
+        </p:spPr>
+        <p:txBody>
+          <a:bodyPr wrap="none" rtlCol="0">
+            <a:spAutoFit/>
+          </a:bodyPr>
+          <a:lstStyle/>
+          <a:p>
+            <a:pPr algn="ctr"/>
+            <a:r>
+              <a:rPr lang="en-US" sz="1800" b="1" dirty="0">
+                <a:latin typeface="Courier New" panose="02070309020205020404" pitchFamily="49" charset="0"/>
+                <a:cs typeface="Courier New" panose="02070309020205020404" pitchFamily="49" charset="0"/>
+              </a:rPr>
+              <a:t>1999-01-04</a:t>
+            </a:r>
+          </a:p>
+        </p:txBody>
+      </p:sp>
+      <p:sp>
+        <p:nvSpPr>
+          <p:cNvPr id="13" name="Oval 12">
+            <a:extLst>
+              <a:ext uri="{FF2B5EF4-FFF2-40B4-BE49-F238E27FC236}">
+                <a16:creationId xmlns:a16="http://schemas.microsoft.com/office/drawing/2014/main" id="{ED55FCF3-EDEF-2390-5FCF-74389D83AE8F}"/>
+              </a:ext>
+            </a:extLst>
+          </p:cNvPr>
+          <p:cNvSpPr/>
+          <p:nvPr/>
+        </p:nvSpPr>
+        <p:spPr>
+          <a:xfrm>
+            <a:off x="5303802" y="2998402"/>
+            <a:ext cx="257553" cy="257553"/>
+          </a:xfrm>
+          <a:prstGeom prst="ellipse">
+            <a:avLst/>
+          </a:prstGeom>
+          <a:solidFill>
+            <a:srgbClr val="7030A0"/>
+          </a:solidFill>
+        </p:spPr>
+        <p:style>
+          <a:lnRef idx="2">
+            <a:schemeClr val="accent1">
+              <a:shade val="15000"/>
+            </a:schemeClr>
+          </a:lnRef>
+          <a:fillRef idx="1">
+            <a:schemeClr val="accent1"/>
+          </a:fillRef>
+          <a:effectRef idx="0">
+            <a:schemeClr val="accent1"/>
+          </a:effectRef>
+          <a:fontRef idx="minor">
+            <a:schemeClr val="lt1"/>
+          </a:fontRef>
+        </p:style>
+        <p:txBody>
+          <a:bodyPr rtlCol="0" anchor="ctr"/>
+          <a:lstStyle/>
+          <a:p>
+            <a:pPr algn="ctr"/>
+            <a:endParaRPr lang="en-US"/>
+          </a:p>
+        </p:txBody>
+      </p:sp>
+      <p:sp>
+        <p:nvSpPr>
+          <p:cNvPr id="14" name="Oval 13">
+            <a:extLst>
+              <a:ext uri="{FF2B5EF4-FFF2-40B4-BE49-F238E27FC236}">
+                <a16:creationId xmlns:a16="http://schemas.microsoft.com/office/drawing/2014/main" id="{F969CB46-60D6-CADB-5A7B-9984DD483BB7}"/>
+              </a:ext>
+            </a:extLst>
+          </p:cNvPr>
+          <p:cNvSpPr/>
+          <p:nvPr/>
+        </p:nvSpPr>
+        <p:spPr>
+          <a:xfrm>
+            <a:off x="5661022" y="3300223"/>
+            <a:ext cx="257553" cy="257553"/>
+          </a:xfrm>
+          <a:prstGeom prst="ellipse">
+            <a:avLst/>
+          </a:prstGeom>
+          <a:solidFill>
+            <a:schemeClr val="accent6"/>
+          </a:solidFill>
+        </p:spPr>
+        <p:style>
+          <a:lnRef idx="2">
+            <a:schemeClr val="accent1">
+              <a:shade val="15000"/>
+            </a:schemeClr>
+          </a:lnRef>
+          <a:fillRef idx="1">
+            <a:schemeClr val="accent1"/>
+          </a:fillRef>
+          <a:effectRef idx="0">
+            <a:schemeClr val="accent1"/>
+          </a:effectRef>
+          <a:fontRef idx="minor">
+            <a:schemeClr val="lt1"/>
+          </a:fontRef>
+        </p:style>
+        <p:txBody>
+          <a:bodyPr rtlCol="0" anchor="ctr"/>
+          <a:lstStyle/>
+          <a:p>
+            <a:pPr algn="ctr"/>
+            <a:endParaRPr lang="en-US"/>
+          </a:p>
+        </p:txBody>
+      </p:sp>
+      <p:sp>
+        <p:nvSpPr>
+          <p:cNvPr id="15" name="Oval 14">
+            <a:extLst>
+              <a:ext uri="{FF2B5EF4-FFF2-40B4-BE49-F238E27FC236}">
+                <a16:creationId xmlns:a16="http://schemas.microsoft.com/office/drawing/2014/main" id="{1B757096-F6AB-2BE2-6DB9-7E11F95BDEE0}"/>
+              </a:ext>
+            </a:extLst>
+          </p:cNvPr>
+          <p:cNvSpPr/>
+          <p:nvPr/>
+        </p:nvSpPr>
+        <p:spPr>
+          <a:xfrm>
+            <a:off x="6015874" y="3094024"/>
+            <a:ext cx="257553" cy="257553"/>
+          </a:xfrm>
+          <a:prstGeom prst="ellipse">
+            <a:avLst/>
+          </a:prstGeom>
+          <a:solidFill>
+            <a:srgbClr val="FF0000"/>
+          </a:solidFill>
+        </p:spPr>
+        <p:style>
+          <a:lnRef idx="2">
+            <a:schemeClr val="accent1">
+              <a:shade val="15000"/>
+            </a:schemeClr>
+          </a:lnRef>
+          <a:fillRef idx="1">
+            <a:schemeClr val="accent1"/>
+          </a:fillRef>
+          <a:effectRef idx="0">
+            <a:schemeClr val="accent1"/>
+          </a:effectRef>
+          <a:fontRef idx="minor">
+            <a:schemeClr val="lt1"/>
+          </a:fontRef>
+        </p:style>
+        <p:txBody>
+          <a:bodyPr rtlCol="0" anchor="ctr"/>
+          <a:lstStyle/>
+          <a:p>
+            <a:pPr algn="ctr"/>
+            <a:endParaRPr lang="en-US"/>
+          </a:p>
+        </p:txBody>
+      </p:sp>
+      <p:sp>
+        <p:nvSpPr>
+          <p:cNvPr id="16" name="Oval 15">
+            <a:extLst>
+              <a:ext uri="{FF2B5EF4-FFF2-40B4-BE49-F238E27FC236}">
+                <a16:creationId xmlns:a16="http://schemas.microsoft.com/office/drawing/2014/main" id="{29497DE5-01A9-0A24-DD18-874FEA8E2090}"/>
+              </a:ext>
+            </a:extLst>
+          </p:cNvPr>
+          <p:cNvSpPr/>
+          <p:nvPr/>
+        </p:nvSpPr>
+        <p:spPr>
+          <a:xfrm>
+            <a:off x="6266066" y="3351577"/>
+            <a:ext cx="257553" cy="257553"/>
+          </a:xfrm>
+          <a:prstGeom prst="ellipse">
+            <a:avLst/>
+          </a:prstGeom>
+          <a:solidFill>
+            <a:srgbClr val="FF0000"/>
+          </a:solidFill>
+        </p:spPr>
+        <p:style>
+          <a:lnRef idx="2">
+            <a:schemeClr val="accent1">
+              <a:shade val="15000"/>
+            </a:schemeClr>
+          </a:lnRef>
+          <a:fillRef idx="1">
+            <a:schemeClr val="accent1"/>
+          </a:fillRef>
+          <a:effectRef idx="0">
+            <a:schemeClr val="accent1"/>
+          </a:effectRef>
+          <a:fontRef idx="minor">
+            <a:schemeClr val="lt1"/>
+          </a:fontRef>
+        </p:style>
+        <p:txBody>
+          <a:bodyPr rtlCol="0" anchor="ctr"/>
+          <a:lstStyle/>
+          <a:p>
+            <a:pPr algn="ctr"/>
+            <a:endParaRPr lang="en-US"/>
+          </a:p>
+        </p:txBody>
+      </p:sp>
+      <p:sp>
+        <p:nvSpPr>
+          <p:cNvPr id="17" name="Oval 16">
+            <a:extLst>
+              <a:ext uri="{FF2B5EF4-FFF2-40B4-BE49-F238E27FC236}">
+                <a16:creationId xmlns:a16="http://schemas.microsoft.com/office/drawing/2014/main" id="{6C9D667D-9ABA-C8E4-821B-D3A82E3FA939}"/>
+              </a:ext>
+            </a:extLst>
+          </p:cNvPr>
+          <p:cNvSpPr/>
+          <p:nvPr/>
+        </p:nvSpPr>
+        <p:spPr>
+          <a:xfrm>
+            <a:off x="5403469" y="4591365"/>
+            <a:ext cx="257553" cy="257553"/>
+          </a:xfrm>
+          <a:prstGeom prst="ellipse">
+            <a:avLst/>
+          </a:prstGeom>
+          <a:solidFill>
+            <a:srgbClr val="7030A0"/>
+          </a:solidFill>
+        </p:spPr>
+        <p:style>
+          <a:lnRef idx="2">
+            <a:schemeClr val="accent1">
+              <a:shade val="15000"/>
+            </a:schemeClr>
+          </a:lnRef>
+          <a:fillRef idx="1">
+            <a:schemeClr val="accent1"/>
+          </a:fillRef>
+          <a:effectRef idx="0">
+            <a:schemeClr val="accent1"/>
+          </a:effectRef>
+          <a:fontRef idx="minor">
+            <a:schemeClr val="lt1"/>
+          </a:fontRef>
+        </p:style>
+        <p:txBody>
+          <a:bodyPr rtlCol="0" anchor="ctr"/>
+          <a:lstStyle/>
+          <a:p>
+            <a:pPr algn="ctr"/>
+            <a:endParaRPr lang="en-US"/>
+          </a:p>
+        </p:txBody>
+      </p:sp>
+      <p:sp>
+        <p:nvSpPr>
+          <p:cNvPr id="18" name="Oval 17">
+            <a:extLst>
+              <a:ext uri="{FF2B5EF4-FFF2-40B4-BE49-F238E27FC236}">
+                <a16:creationId xmlns:a16="http://schemas.microsoft.com/office/drawing/2014/main" id="{48A9BEC3-F215-66D0-A049-18DAD909F72D}"/>
+              </a:ext>
+            </a:extLst>
+          </p:cNvPr>
+          <p:cNvSpPr/>
+          <p:nvPr/>
+        </p:nvSpPr>
+        <p:spPr>
+          <a:xfrm>
+            <a:off x="6224184" y="4591365"/>
+            <a:ext cx="257553" cy="257553"/>
+          </a:xfrm>
+          <a:prstGeom prst="ellipse">
+            <a:avLst/>
+          </a:prstGeom>
+          <a:solidFill>
+            <a:srgbClr val="92D050"/>
+          </a:solidFill>
+        </p:spPr>
+        <p:style>
+          <a:lnRef idx="2">
+            <a:schemeClr val="accent1">
+              <a:shade val="15000"/>
+            </a:schemeClr>
+          </a:lnRef>
+          <a:fillRef idx="1">
+            <a:schemeClr val="accent1"/>
+          </a:fillRef>
+          <a:effectRef idx="0">
+            <a:schemeClr val="accent1"/>
+          </a:effectRef>
+          <a:fontRef idx="minor">
+            <a:schemeClr val="lt1"/>
+          </a:fontRef>
+        </p:style>
+        <p:txBody>
+          <a:bodyPr rtlCol="0" anchor="ctr"/>
+          <a:lstStyle/>
+          <a:p>
+            <a:pPr algn="ctr"/>
+            <a:endParaRPr lang="en-US"/>
+          </a:p>
+        </p:txBody>
+      </p:sp>
+      <p:sp>
+        <p:nvSpPr>
+          <p:cNvPr id="19" name="Oval 18">
+            <a:extLst>
+              <a:ext uri="{FF2B5EF4-FFF2-40B4-BE49-F238E27FC236}">
+                <a16:creationId xmlns:a16="http://schemas.microsoft.com/office/drawing/2014/main" id="{035ADC88-3FFA-6F16-4355-F9425CFD43C5}"/>
+              </a:ext>
+            </a:extLst>
+          </p:cNvPr>
+          <p:cNvSpPr/>
+          <p:nvPr/>
+        </p:nvSpPr>
+        <p:spPr>
+          <a:xfrm>
+            <a:off x="7044899" y="4591365"/>
+            <a:ext cx="257553" cy="257553"/>
+          </a:xfrm>
+          <a:prstGeom prst="ellipse">
+            <a:avLst/>
+          </a:prstGeom>
+          <a:solidFill>
+            <a:srgbClr val="FF0000"/>
+          </a:solidFill>
+        </p:spPr>
+        <p:style>
+          <a:lnRef idx="2">
+            <a:schemeClr val="accent1">
+              <a:shade val="15000"/>
+            </a:schemeClr>
+          </a:lnRef>
+          <a:fillRef idx="1">
+            <a:schemeClr val="accent1"/>
+          </a:fillRef>
+          <a:effectRef idx="0">
+            <a:schemeClr val="accent1"/>
+          </a:effectRef>
+          <a:fontRef idx="minor">
+            <a:schemeClr val="lt1"/>
+          </a:fontRef>
+        </p:style>
+        <p:txBody>
+          <a:bodyPr rtlCol="0" anchor="ctr"/>
+          <a:lstStyle/>
+          <a:p>
+            <a:pPr algn="ctr"/>
+            <a:endParaRPr lang="en-US"/>
+          </a:p>
+        </p:txBody>
+      </p:sp>
+      <p:sp>
+        <p:nvSpPr>
+          <p:cNvPr id="20" name="Oval 19">
+            <a:extLst>
+              <a:ext uri="{FF2B5EF4-FFF2-40B4-BE49-F238E27FC236}">
+                <a16:creationId xmlns:a16="http://schemas.microsoft.com/office/drawing/2014/main" id="{6DB0344F-4F43-F66E-7357-923EB9050244}"/>
+              </a:ext>
+            </a:extLst>
+          </p:cNvPr>
+          <p:cNvSpPr/>
+          <p:nvPr/>
+        </p:nvSpPr>
+        <p:spPr>
+          <a:xfrm>
+            <a:off x="5403469" y="4957073"/>
+            <a:ext cx="257553" cy="257553"/>
+          </a:xfrm>
+          <a:prstGeom prst="ellipse">
+            <a:avLst/>
+          </a:prstGeom>
+          <a:solidFill>
+            <a:srgbClr val="7030A0"/>
+          </a:solidFill>
+        </p:spPr>
+        <p:style>
+          <a:lnRef idx="2">
+            <a:schemeClr val="accent1">
+              <a:shade val="15000"/>
+            </a:schemeClr>
+          </a:lnRef>
+          <a:fillRef idx="1">
+            <a:schemeClr val="accent1"/>
+          </a:fillRef>
+          <a:effectRef idx="0">
+            <a:schemeClr val="accent1"/>
+          </a:effectRef>
+          <a:fontRef idx="minor">
+            <a:schemeClr val="lt1"/>
+          </a:fontRef>
+        </p:style>
+        <p:txBody>
+          <a:bodyPr rtlCol="0" anchor="ctr"/>
+          <a:lstStyle/>
+          <a:p>
+            <a:pPr algn="ctr"/>
+            <a:endParaRPr lang="en-US"/>
+          </a:p>
+        </p:txBody>
+      </p:sp>
+      <p:sp>
+        <p:nvSpPr>
+          <p:cNvPr id="21" name="Oval 20">
+            <a:extLst>
+              <a:ext uri="{FF2B5EF4-FFF2-40B4-BE49-F238E27FC236}">
+                <a16:creationId xmlns:a16="http://schemas.microsoft.com/office/drawing/2014/main" id="{FBBAFB77-6D05-538A-8769-366F833FF5BC}"/>
+              </a:ext>
+            </a:extLst>
+          </p:cNvPr>
+          <p:cNvSpPr/>
+          <p:nvPr/>
+        </p:nvSpPr>
+        <p:spPr>
+          <a:xfrm>
+            <a:off x="6224184" y="4957073"/>
+            <a:ext cx="257553" cy="257553"/>
+          </a:xfrm>
+          <a:prstGeom prst="ellipse">
+            <a:avLst/>
+          </a:prstGeom>
+          <a:solidFill>
+            <a:srgbClr val="92D050"/>
+          </a:solidFill>
+        </p:spPr>
+        <p:style>
+          <a:lnRef idx="2">
+            <a:schemeClr val="accent1">
+              <a:shade val="15000"/>
+            </a:schemeClr>
+          </a:lnRef>
+          <a:fillRef idx="1">
+            <a:schemeClr val="accent1"/>
+          </a:fillRef>
+          <a:effectRef idx="0">
+            <a:schemeClr val="accent1"/>
+          </a:effectRef>
+          <a:fontRef idx="minor">
+            <a:schemeClr val="lt1"/>
+          </a:fontRef>
+        </p:style>
+        <p:txBody>
+          <a:bodyPr rtlCol="0" anchor="ctr"/>
+          <a:lstStyle/>
+          <a:p>
+            <a:pPr algn="ctr"/>
+            <a:endParaRPr lang="en-US"/>
+          </a:p>
+        </p:txBody>
+      </p:sp>
+      <p:sp>
+        <p:nvSpPr>
+          <p:cNvPr id="22" name="Oval 21">
+            <a:extLst>
+              <a:ext uri="{FF2B5EF4-FFF2-40B4-BE49-F238E27FC236}">
+                <a16:creationId xmlns:a16="http://schemas.microsoft.com/office/drawing/2014/main" id="{7CB48258-1844-2693-9B37-285B67C3ABB7}"/>
+              </a:ext>
+            </a:extLst>
+          </p:cNvPr>
+          <p:cNvSpPr/>
+          <p:nvPr/>
+        </p:nvSpPr>
+        <p:spPr>
+          <a:xfrm>
+            <a:off x="7044899" y="4957073"/>
+            <a:ext cx="257553" cy="257553"/>
+          </a:xfrm>
+          <a:prstGeom prst="ellipse">
+            <a:avLst/>
+          </a:prstGeom>
+          <a:solidFill>
+            <a:srgbClr val="FF0000"/>
+          </a:solidFill>
+        </p:spPr>
+        <p:style>
+          <a:lnRef idx="2">
+            <a:schemeClr val="accent1">
+              <a:shade val="15000"/>
+            </a:schemeClr>
+          </a:lnRef>
+          <a:fillRef idx="1">
+            <a:schemeClr val="accent1"/>
+          </a:fillRef>
+          <a:effectRef idx="0">
+            <a:schemeClr val="accent1"/>
+          </a:effectRef>
+          <a:fontRef idx="minor">
+            <a:schemeClr val="lt1"/>
+          </a:fontRef>
+        </p:style>
+        <p:txBody>
+          <a:bodyPr rtlCol="0" anchor="ctr"/>
+          <a:lstStyle/>
+          <a:p>
+            <a:pPr algn="ctr"/>
+            <a:endParaRPr lang="en-US"/>
+          </a:p>
+        </p:txBody>
+      </p:sp>
+      <p:sp>
+        <p:nvSpPr>
+          <p:cNvPr id="23" name="Oval 22">
+            <a:extLst>
+              <a:ext uri="{FF2B5EF4-FFF2-40B4-BE49-F238E27FC236}">
+                <a16:creationId xmlns:a16="http://schemas.microsoft.com/office/drawing/2014/main" id="{23E4C6A8-C18E-6498-6B80-8082D776EFE7}"/>
+              </a:ext>
+            </a:extLst>
+          </p:cNvPr>
+          <p:cNvSpPr/>
+          <p:nvPr/>
+        </p:nvSpPr>
+        <p:spPr>
+          <a:xfrm>
+            <a:off x="5403469" y="6071233"/>
+            <a:ext cx="257553" cy="257553"/>
+          </a:xfrm>
+          <a:prstGeom prst="ellipse">
+            <a:avLst/>
+          </a:prstGeom>
+          <a:solidFill>
+            <a:srgbClr val="7030A0"/>
+          </a:solidFill>
+        </p:spPr>
+        <p:style>
+          <a:lnRef idx="2">
+            <a:schemeClr val="accent1">
+              <a:shade val="15000"/>
+            </a:schemeClr>
+          </a:lnRef>
+          <a:fillRef idx="1">
+            <a:schemeClr val="accent1"/>
+          </a:fillRef>
+          <a:effectRef idx="0">
+            <a:schemeClr val="accent1"/>
+          </a:effectRef>
+          <a:fontRef idx="minor">
+            <a:schemeClr val="lt1"/>
+          </a:fontRef>
+        </p:style>
+        <p:txBody>
+          <a:bodyPr rtlCol="0" anchor="ctr"/>
+          <a:lstStyle/>
+          <a:p>
+            <a:pPr algn="ctr"/>
+            <a:endParaRPr lang="en-US"/>
+          </a:p>
+        </p:txBody>
+      </p:sp>
+      <p:sp>
+        <p:nvSpPr>
+          <p:cNvPr id="24" name="Oval 23">
+            <a:extLst>
+              <a:ext uri="{FF2B5EF4-FFF2-40B4-BE49-F238E27FC236}">
+                <a16:creationId xmlns:a16="http://schemas.microsoft.com/office/drawing/2014/main" id="{3FD907A6-E148-8E98-3FEC-722C25017EA8}"/>
+              </a:ext>
+            </a:extLst>
+          </p:cNvPr>
+          <p:cNvSpPr/>
+          <p:nvPr/>
+        </p:nvSpPr>
+        <p:spPr>
+          <a:xfrm>
+            <a:off x="6224184" y="6071233"/>
+            <a:ext cx="257553" cy="257553"/>
+          </a:xfrm>
+          <a:prstGeom prst="ellipse">
+            <a:avLst/>
+          </a:prstGeom>
+          <a:solidFill>
+            <a:srgbClr val="92D050"/>
+          </a:solidFill>
+        </p:spPr>
+        <p:style>
+          <a:lnRef idx="2">
+            <a:schemeClr val="accent1">
+              <a:shade val="15000"/>
+            </a:schemeClr>
+          </a:lnRef>
+          <a:fillRef idx="1">
+            <a:schemeClr val="accent1"/>
+          </a:fillRef>
+          <a:effectRef idx="0">
+            <a:schemeClr val="accent1"/>
+          </a:effectRef>
+          <a:fontRef idx="minor">
+            <a:schemeClr val="lt1"/>
+          </a:fontRef>
+        </p:style>
+        <p:txBody>
+          <a:bodyPr rtlCol="0" anchor="ctr"/>
+          <a:lstStyle/>
+          <a:p>
+            <a:pPr algn="ctr"/>
+            <a:endParaRPr lang="en-US"/>
+          </a:p>
+        </p:txBody>
+      </p:sp>
+      <p:sp>
+        <p:nvSpPr>
+          <p:cNvPr id="25" name="Oval 24">
+            <a:extLst>
+              <a:ext uri="{FF2B5EF4-FFF2-40B4-BE49-F238E27FC236}">
+                <a16:creationId xmlns:a16="http://schemas.microsoft.com/office/drawing/2014/main" id="{E9A4DD64-C395-7F5F-5CC6-C4D60B858599}"/>
+              </a:ext>
+            </a:extLst>
+          </p:cNvPr>
+          <p:cNvSpPr/>
+          <p:nvPr/>
+        </p:nvSpPr>
+        <p:spPr>
+          <a:xfrm>
+            <a:off x="7044899" y="6071233"/>
+            <a:ext cx="257553" cy="257553"/>
+          </a:xfrm>
+          <a:prstGeom prst="ellipse">
+            <a:avLst/>
+          </a:prstGeom>
+          <a:solidFill>
+            <a:srgbClr val="FF0000"/>
+          </a:solidFill>
+        </p:spPr>
+        <p:style>
+          <a:lnRef idx="2">
+            <a:schemeClr val="accent1">
+              <a:shade val="15000"/>
+            </a:schemeClr>
+          </a:lnRef>
+          <a:fillRef idx="1">
+            <a:schemeClr val="accent1"/>
+          </a:fillRef>
+          <a:effectRef idx="0">
+            <a:schemeClr val="accent1"/>
+          </a:effectRef>
+          <a:fontRef idx="minor">
+            <a:schemeClr val="lt1"/>
+          </a:fontRef>
+        </p:style>
+        <p:txBody>
+          <a:bodyPr rtlCol="0" anchor="ctr"/>
+          <a:lstStyle/>
+          <a:p>
+            <a:pPr algn="ctr"/>
+            <a:endParaRPr lang="en-US"/>
+          </a:p>
+        </p:txBody>
+      </p:sp>
+      <p:cxnSp>
+        <p:nvCxnSpPr>
+          <p:cNvPr id="30" name="Curved Connector 29">
+            <a:extLst>
+              <a:ext uri="{FF2B5EF4-FFF2-40B4-BE49-F238E27FC236}">
+                <a16:creationId xmlns:a16="http://schemas.microsoft.com/office/drawing/2014/main" id="{92F4C816-30E8-2233-0C78-115D48891473}"/>
+              </a:ext>
+            </a:extLst>
+          </p:cNvPr>
+          <p:cNvCxnSpPr>
+            <a:stCxn id="16" idx="6"/>
+            <a:endCxn id="22" idx="6"/>
+          </p:cNvCxnSpPr>
+          <p:nvPr/>
+        </p:nvCxnSpPr>
+        <p:spPr>
+          <a:xfrm>
+            <a:off x="6523619" y="3480354"/>
+            <a:ext cx="778833" cy="1605496"/>
+          </a:xfrm>
+          <a:prstGeom prst="curvedConnector3">
+            <a:avLst>
+              <a:gd name="adj1" fmla="val 220247"/>
+            </a:avLst>
+          </a:prstGeom>
+          <a:ln w="76200">
+            <a:tailEnd type="triangle"/>
+          </a:ln>
+        </p:spPr>
+        <p:style>
+          <a:lnRef idx="1">
+            <a:schemeClr val="accent1"/>
+          </a:lnRef>
+          <a:fillRef idx="0">
+            <a:schemeClr val="accent1"/>
+          </a:fillRef>
+          <a:effectRef idx="0">
+            <a:schemeClr val="accent1"/>
+          </a:effectRef>
+          <a:fontRef idx="minor">
+            <a:schemeClr val="tx1"/>
+          </a:fontRef>
+        </p:style>
+      </p:cxnSp>
+      <p:sp>
+        <p:nvSpPr>
+          <p:cNvPr id="32" name="TextBox 31">
+            <a:extLst>
+              <a:ext uri="{FF2B5EF4-FFF2-40B4-BE49-F238E27FC236}">
+                <a16:creationId xmlns:a16="http://schemas.microsoft.com/office/drawing/2014/main" id="{B8B8F018-E1A3-8B45-33C8-1A34377452B1}"/>
+              </a:ext>
+            </a:extLst>
+          </p:cNvPr>
+          <p:cNvSpPr txBox="1"/>
+          <p:nvPr/>
+        </p:nvSpPr>
+        <p:spPr>
+          <a:xfrm>
+            <a:off x="5424887" y="1605659"/>
+            <a:ext cx="715452" cy="369332"/>
+          </a:xfrm>
+          <a:prstGeom prst="rect">
+            <a:avLst/>
+          </a:prstGeom>
+          <a:noFill/>
+        </p:spPr>
+        <p:txBody>
+          <a:bodyPr wrap="none" rtlCol="0">
+            <a:spAutoFit/>
+          </a:bodyPr>
+          <a:lstStyle/>
+          <a:p>
+            <a:pPr algn="ctr"/>
+            <a:r>
+              <a:rPr lang="en-US" dirty="0">
+                <a:solidFill>
+                  <a:schemeClr val="bg1"/>
+                </a:solidFill>
+              </a:rPr>
+              <a:t>Dates</a:t>
+            </a:r>
+          </a:p>
+        </p:txBody>
+      </p:sp>
+      <p:sp>
+        <p:nvSpPr>
+          <p:cNvPr id="33" name="TextBox 32">
+            <a:extLst>
+              <a:ext uri="{FF2B5EF4-FFF2-40B4-BE49-F238E27FC236}">
+                <a16:creationId xmlns:a16="http://schemas.microsoft.com/office/drawing/2014/main" id="{1D8F62C5-8AD2-C09A-BD6D-942E8AB647E6}"/>
+              </a:ext>
+            </a:extLst>
+          </p:cNvPr>
+          <p:cNvSpPr txBox="1"/>
+          <p:nvPr/>
+        </p:nvSpPr>
+        <p:spPr>
+          <a:xfrm>
+            <a:off x="5420976" y="2587096"/>
+            <a:ext cx="723275" cy="369332"/>
+          </a:xfrm>
+          <a:prstGeom prst="rect">
+            <a:avLst/>
+          </a:prstGeom>
+          <a:noFill/>
+        </p:spPr>
+        <p:txBody>
+          <a:bodyPr wrap="none" rtlCol="0">
+            <a:spAutoFit/>
+          </a:bodyPr>
+          <a:lstStyle/>
+          <a:p>
+            <a:pPr algn="ctr"/>
+            <a:r>
+              <a:rPr lang="en-US" dirty="0">
+                <a:solidFill>
+                  <a:schemeClr val="bg1"/>
+                </a:solidFill>
+              </a:rPr>
+              <a:t>Fields</a:t>
+            </a:r>
+          </a:p>
+        </p:txBody>
+      </p:sp>
+      <p:sp>
+        <p:nvSpPr>
+          <p:cNvPr id="34" name="Down Arrow 33">
+            <a:extLst>
+              <a:ext uri="{FF2B5EF4-FFF2-40B4-BE49-F238E27FC236}">
+                <a16:creationId xmlns:a16="http://schemas.microsoft.com/office/drawing/2014/main" id="{D7723AD2-98C6-221D-50B1-B17FF2D039D5}"/>
+              </a:ext>
+            </a:extLst>
+          </p:cNvPr>
+          <p:cNvSpPr/>
+          <p:nvPr/>
+        </p:nvSpPr>
+        <p:spPr>
+          <a:xfrm>
+            <a:off x="5615465" y="1927509"/>
+            <a:ext cx="334297" cy="707069"/>
+          </a:xfrm>
+          <a:prstGeom prst="downArrow">
+            <a:avLst/>
+          </a:prstGeom>
+          <a:solidFill>
+            <a:schemeClr val="bg1"/>
+          </a:solidFill>
+        </p:spPr>
+        <p:style>
+          <a:lnRef idx="2">
+            <a:schemeClr val="accent1">
+              <a:shade val="15000"/>
+            </a:schemeClr>
+          </a:lnRef>
+          <a:fillRef idx="1">
+            <a:schemeClr val="accent1"/>
+          </a:fillRef>
+          <a:effectRef idx="0">
+            <a:schemeClr val="accent1"/>
+          </a:effectRef>
+          <a:fontRef idx="minor">
+            <a:schemeClr val="lt1"/>
+          </a:fontRef>
+        </p:style>
+        <p:txBody>
+          <a:bodyPr rtlCol="0" anchor="ctr"/>
+          <a:lstStyle/>
+          <a:p>
+            <a:pPr algn="ctr"/>
+            <a:endParaRPr lang="en-US"/>
+          </a:p>
+        </p:txBody>
+      </p:sp>
+      <p:sp>
+        <p:nvSpPr>
+          <p:cNvPr id="35" name="Oval 34">
+            <a:extLst>
+              <a:ext uri="{FF2B5EF4-FFF2-40B4-BE49-F238E27FC236}">
+                <a16:creationId xmlns:a16="http://schemas.microsoft.com/office/drawing/2014/main" id="{54356BE6-2CBC-196B-A4F7-91550FD649E6}"/>
+              </a:ext>
+            </a:extLst>
+          </p:cNvPr>
+          <p:cNvSpPr/>
+          <p:nvPr/>
+        </p:nvSpPr>
+        <p:spPr>
+          <a:xfrm>
+            <a:off x="5882786" y="3626028"/>
+            <a:ext cx="257553" cy="257553"/>
+          </a:xfrm>
+          <a:prstGeom prst="ellipse">
+            <a:avLst/>
+          </a:prstGeom>
+          <a:solidFill>
+            <a:schemeClr val="accent6"/>
+          </a:solidFill>
+        </p:spPr>
+        <p:style>
+          <a:lnRef idx="2">
+            <a:schemeClr val="accent1">
+              <a:shade val="15000"/>
+            </a:schemeClr>
+          </a:lnRef>
+          <a:fillRef idx="1">
+            <a:schemeClr val="accent1"/>
+          </a:fillRef>
+          <a:effectRef idx="0">
+            <a:schemeClr val="accent1"/>
+          </a:effectRef>
+          <a:fontRef idx="minor">
+            <a:schemeClr val="lt1"/>
+          </a:fontRef>
+        </p:style>
+        <p:txBody>
+          <a:bodyPr rtlCol="0" anchor="ctr"/>
+          <a:lstStyle/>
+          <a:p>
+            <a:pPr algn="ctr"/>
+            <a:endParaRPr lang="en-US"/>
+          </a:p>
+        </p:txBody>
+      </p:sp>
+      <p:sp>
+        <p:nvSpPr>
+          <p:cNvPr id="36" name="Oval 35">
+            <a:extLst>
+              <a:ext uri="{FF2B5EF4-FFF2-40B4-BE49-F238E27FC236}">
+                <a16:creationId xmlns:a16="http://schemas.microsoft.com/office/drawing/2014/main" id="{956C7246-EE3B-BE45-D8E2-0E42C8AAF215}"/>
+              </a:ext>
+            </a:extLst>
+          </p:cNvPr>
+          <p:cNvSpPr/>
+          <p:nvPr/>
+        </p:nvSpPr>
+        <p:spPr>
+          <a:xfrm>
+            <a:off x="6285196" y="2924752"/>
+            <a:ext cx="257553" cy="257553"/>
+          </a:xfrm>
+          <a:prstGeom prst="ellipse">
+            <a:avLst/>
+          </a:prstGeom>
+          <a:solidFill>
+            <a:srgbClr val="7030A0"/>
+          </a:solidFill>
+        </p:spPr>
+        <p:style>
+          <a:lnRef idx="2">
+            <a:schemeClr val="accent1">
+              <a:shade val="15000"/>
+            </a:schemeClr>
+          </a:lnRef>
+          <a:fillRef idx="1">
+            <a:schemeClr val="accent1"/>
+          </a:fillRef>
+          <a:effectRef idx="0">
+            <a:schemeClr val="accent1"/>
+          </a:effectRef>
+          <a:fontRef idx="minor">
+            <a:schemeClr val="lt1"/>
+          </a:fontRef>
+        </p:style>
+        <p:txBody>
+          <a:bodyPr rtlCol="0" anchor="ctr"/>
+          <a:lstStyle/>
+          <a:p>
+            <a:pPr algn="ctr"/>
+            <a:endParaRPr lang="en-US"/>
+          </a:p>
+        </p:txBody>
+      </p:sp>
+      <p:sp>
+        <p:nvSpPr>
+          <p:cNvPr id="37" name="Oval 36">
+            <a:extLst>
+              <a:ext uri="{FF2B5EF4-FFF2-40B4-BE49-F238E27FC236}">
+                <a16:creationId xmlns:a16="http://schemas.microsoft.com/office/drawing/2014/main" id="{7E4FDF99-5CF7-A5D7-A091-BF16960DFB02}"/>
+              </a:ext>
+            </a:extLst>
+          </p:cNvPr>
+          <p:cNvSpPr/>
+          <p:nvPr/>
+        </p:nvSpPr>
+        <p:spPr>
+          <a:xfrm>
+            <a:off x="5207518" y="3354902"/>
+            <a:ext cx="257553" cy="257553"/>
+          </a:xfrm>
+          <a:prstGeom prst="ellipse">
+            <a:avLst/>
+          </a:prstGeom>
+          <a:solidFill>
+            <a:srgbClr val="FF0000"/>
+          </a:solidFill>
+        </p:spPr>
+        <p:style>
+          <a:lnRef idx="2">
+            <a:schemeClr val="accent1">
+              <a:shade val="15000"/>
+            </a:schemeClr>
+          </a:lnRef>
+          <a:fillRef idx="1">
+            <a:schemeClr val="accent1"/>
+          </a:fillRef>
+          <a:effectRef idx="0">
+            <a:schemeClr val="accent1"/>
+          </a:effectRef>
+          <a:fontRef idx="minor">
+            <a:schemeClr val="lt1"/>
+          </a:fontRef>
+        </p:style>
+        <p:txBody>
+          <a:bodyPr rtlCol="0" anchor="ctr"/>
+          <a:lstStyle/>
+          <a:p>
+            <a:pPr algn="ctr"/>
+            <a:endParaRPr lang="en-US"/>
+          </a:p>
+        </p:txBody>
+      </p:sp>
+      <p:cxnSp>
+        <p:nvCxnSpPr>
+          <p:cNvPr id="38" name="Curved Connector 37">
+            <a:extLst>
+              <a:ext uri="{FF2B5EF4-FFF2-40B4-BE49-F238E27FC236}">
+                <a16:creationId xmlns:a16="http://schemas.microsoft.com/office/drawing/2014/main" id="{F3F44FFD-8249-DF9D-4CBB-853DBF6EDC2E}"/>
+              </a:ext>
+            </a:extLst>
+          </p:cNvPr>
+          <p:cNvCxnSpPr>
+            <a:cxnSpLocks/>
+            <a:stCxn id="13" idx="2"/>
+            <a:endCxn id="17" idx="2"/>
+          </p:cNvCxnSpPr>
+          <p:nvPr/>
+        </p:nvCxnSpPr>
+        <p:spPr>
+          <a:xfrm rot="10800000" flipH="1" flipV="1">
+            <a:off x="5303801" y="3127178"/>
+            <a:ext cx="99667" cy="1592963"/>
+          </a:xfrm>
+          <a:prstGeom prst="curvedConnector3">
+            <a:avLst>
+              <a:gd name="adj1" fmla="val -229364"/>
+            </a:avLst>
+          </a:prstGeom>
+          <a:ln w="76200">
+            <a:tailEnd type="triangle"/>
+          </a:ln>
+        </p:spPr>
+        <p:style>
+          <a:lnRef idx="1">
+            <a:schemeClr val="accent1"/>
+          </a:lnRef>
+          <a:fillRef idx="0">
+            <a:schemeClr val="accent1"/>
+          </a:fillRef>
+          <a:effectRef idx="0">
+            <a:schemeClr val="accent1"/>
+          </a:effectRef>
+          <a:fontRef idx="minor">
+            <a:schemeClr val="tx1"/>
+          </a:fontRef>
+        </p:style>
+      </p:cxnSp>
+    </p:spTree>
+    <p:extLst>
+      <p:ext uri="{BB962C8B-B14F-4D97-AF65-F5344CB8AC3E}">
+        <p14:creationId xmlns:p14="http://schemas.microsoft.com/office/powerpoint/2010/main" val="364005367"/>
       </p:ext>
     </p:extLst>
   </p:cSld>
